--- a/ppt 16-9/0935.恒心从主.pptx
+++ b/ppt 16-9/0935.恒心从主.pptx
@@ -5,7 +5,7 @@
     <p:sldMasterId id="2147483648" r:id="rId1"/>
   </p:sldMasterIdLst>
   <p:sldIdLst>
-    <p:sldId id="310" r:id="rId2"/>
+    <p:sldId id="312" r:id="rId2"/>
   </p:sldIdLst>
   <p:sldSz cx="12192000" cy="6858000"/>
   <p:notesSz cx="6858000" cy="9144000"/>
@@ -129,7 +129,7 @@
           <p:cNvPr id="2" name="标题 1">
             <a:extLst>
               <a:ext uri="{FF2B5EF4-FFF2-40B4-BE49-F238E27FC236}">
-                <a16:creationId xmlns:a16="http://schemas.microsoft.com/office/drawing/2014/main" id="{A2B41489-9C09-FAF1-B30F-B967B9E51113}"/>
+                <a16:creationId xmlns:a16="http://schemas.microsoft.com/office/drawing/2014/main" id="{23A05393-4B77-4ED1-146B-2C02ED995058}"/>
               </a:ext>
             </a:extLst>
           </p:cNvPr>
@@ -166,7 +166,7 @@
           <p:cNvPr id="3" name="副标题 2">
             <a:extLst>
               <a:ext uri="{FF2B5EF4-FFF2-40B4-BE49-F238E27FC236}">
-                <a16:creationId xmlns:a16="http://schemas.microsoft.com/office/drawing/2014/main" id="{6056B80A-8392-F255-98E9-E29531CF8400}"/>
+                <a16:creationId xmlns:a16="http://schemas.microsoft.com/office/drawing/2014/main" id="{9C259DC9-EA14-21F7-65A9-6B0C30D0F7B1}"/>
               </a:ext>
             </a:extLst>
           </p:cNvPr>
@@ -236,7 +236,7 @@
           <p:cNvPr id="4" name="日期占位符 3">
             <a:extLst>
               <a:ext uri="{FF2B5EF4-FFF2-40B4-BE49-F238E27FC236}">
-                <a16:creationId xmlns:a16="http://schemas.microsoft.com/office/drawing/2014/main" id="{E580C9DD-3797-FB76-05A8-52468DBDC789}"/>
+                <a16:creationId xmlns:a16="http://schemas.microsoft.com/office/drawing/2014/main" id="{A45512D8-40CD-BDD1-F98E-9DB01A2E1C4A}"/>
               </a:ext>
             </a:extLst>
           </p:cNvPr>
@@ -252,7 +252,7 @@
           <a:bodyPr/>
           <a:lstStyle/>
           <a:p>
-            <a:fld id="{92E34F18-ED1F-49CF-8A62-05653810AD7A}" type="datetimeFigureOut">
+            <a:fld id="{4108AF21-E982-4719-A86C-306BBE74DB67}" type="datetimeFigureOut">
               <a:rPr lang="zh-CN" altLang="en-US" smtClean="0"/>
               <a:t>2024/3/10</a:t>
             </a:fld>
@@ -265,7 +265,7 @@
           <p:cNvPr id="5" name="页脚占位符 4">
             <a:extLst>
               <a:ext uri="{FF2B5EF4-FFF2-40B4-BE49-F238E27FC236}">
-                <a16:creationId xmlns:a16="http://schemas.microsoft.com/office/drawing/2014/main" id="{F43795E5-08A5-61A3-4585-D989DA33AEF5}"/>
+                <a16:creationId xmlns:a16="http://schemas.microsoft.com/office/drawing/2014/main" id="{1BAAF009-1FA0-88E6-2F6B-AD9F8636A2AF}"/>
               </a:ext>
             </a:extLst>
           </p:cNvPr>
@@ -290,7 +290,7 @@
           <p:cNvPr id="6" name="灯片编号占位符 5">
             <a:extLst>
               <a:ext uri="{FF2B5EF4-FFF2-40B4-BE49-F238E27FC236}">
-                <a16:creationId xmlns:a16="http://schemas.microsoft.com/office/drawing/2014/main" id="{02BFD1CC-20DF-6AD8-7383-50E9BD9E7F09}"/>
+                <a16:creationId xmlns:a16="http://schemas.microsoft.com/office/drawing/2014/main" id="{353D5D72-AD61-67F5-A9BA-3C0B5E1DC441}"/>
               </a:ext>
             </a:extLst>
           </p:cNvPr>
@@ -306,7 +306,7 @@
           <a:bodyPr/>
           <a:lstStyle/>
           <a:p>
-            <a:fld id="{4A0E5D52-AED2-4D51-9A69-D412A0297F4D}" type="slidenum">
+            <a:fld id="{27C7F9AD-620B-4C14-BE3A-BF042EF68998}" type="slidenum">
               <a:rPr lang="zh-CN" altLang="en-US" smtClean="0"/>
               <a:t>‹#›</a:t>
             </a:fld>
@@ -317,7 +317,7 @@
     </p:spTree>
     <p:extLst>
       <p:ext uri="{BB962C8B-B14F-4D97-AF65-F5344CB8AC3E}">
-        <p14:creationId xmlns:p14="http://schemas.microsoft.com/office/powerpoint/2010/main" val="449596667"/>
+        <p14:creationId xmlns:p14="http://schemas.microsoft.com/office/powerpoint/2010/main" val="3827644392"/>
       </p:ext>
     </p:extLst>
   </p:cSld>
@@ -349,7 +349,7 @@
           <p:cNvPr id="2" name="标题 1">
             <a:extLst>
               <a:ext uri="{FF2B5EF4-FFF2-40B4-BE49-F238E27FC236}">
-                <a16:creationId xmlns:a16="http://schemas.microsoft.com/office/drawing/2014/main" id="{5B2D5D30-F374-0C02-3310-E8FA52488B1A}"/>
+                <a16:creationId xmlns:a16="http://schemas.microsoft.com/office/drawing/2014/main" id="{A459BBDC-D28F-2276-74B9-E7467FC5E87B}"/>
               </a:ext>
             </a:extLst>
           </p:cNvPr>
@@ -377,7 +377,7 @@
           <p:cNvPr id="3" name="竖排文字占位符 2">
             <a:extLst>
               <a:ext uri="{FF2B5EF4-FFF2-40B4-BE49-F238E27FC236}">
-                <a16:creationId xmlns:a16="http://schemas.microsoft.com/office/drawing/2014/main" id="{2042D2FD-8CB9-62F2-EB02-B8141A748417}"/>
+                <a16:creationId xmlns:a16="http://schemas.microsoft.com/office/drawing/2014/main" id="{CB16D0D3-6E53-5990-B13F-43E1EA623114}"/>
               </a:ext>
             </a:extLst>
           </p:cNvPr>
@@ -434,7 +434,7 @@
           <p:cNvPr id="4" name="日期占位符 3">
             <a:extLst>
               <a:ext uri="{FF2B5EF4-FFF2-40B4-BE49-F238E27FC236}">
-                <a16:creationId xmlns:a16="http://schemas.microsoft.com/office/drawing/2014/main" id="{19DF412B-7D87-697D-32AB-4C13504943E6}"/>
+                <a16:creationId xmlns:a16="http://schemas.microsoft.com/office/drawing/2014/main" id="{026A8141-2E2B-178D-D5C5-259683F01508}"/>
               </a:ext>
             </a:extLst>
           </p:cNvPr>
@@ -450,7 +450,7 @@
           <a:bodyPr/>
           <a:lstStyle/>
           <a:p>
-            <a:fld id="{92E34F18-ED1F-49CF-8A62-05653810AD7A}" type="datetimeFigureOut">
+            <a:fld id="{4108AF21-E982-4719-A86C-306BBE74DB67}" type="datetimeFigureOut">
               <a:rPr lang="zh-CN" altLang="en-US" smtClean="0"/>
               <a:t>2024/3/10</a:t>
             </a:fld>
@@ -463,7 +463,7 @@
           <p:cNvPr id="5" name="页脚占位符 4">
             <a:extLst>
               <a:ext uri="{FF2B5EF4-FFF2-40B4-BE49-F238E27FC236}">
-                <a16:creationId xmlns:a16="http://schemas.microsoft.com/office/drawing/2014/main" id="{60EFDA91-39FE-1C32-E859-48BD6EDA3588}"/>
+                <a16:creationId xmlns:a16="http://schemas.microsoft.com/office/drawing/2014/main" id="{1F88AA87-07AE-7A29-288B-4614F0C18BEC}"/>
               </a:ext>
             </a:extLst>
           </p:cNvPr>
@@ -488,7 +488,7 @@
           <p:cNvPr id="6" name="灯片编号占位符 5">
             <a:extLst>
               <a:ext uri="{FF2B5EF4-FFF2-40B4-BE49-F238E27FC236}">
-                <a16:creationId xmlns:a16="http://schemas.microsoft.com/office/drawing/2014/main" id="{2B80450F-3309-9FE5-AF8A-41F9277AA995}"/>
+                <a16:creationId xmlns:a16="http://schemas.microsoft.com/office/drawing/2014/main" id="{A9C77029-111D-7782-38AF-9593380AD288}"/>
               </a:ext>
             </a:extLst>
           </p:cNvPr>
@@ -504,7 +504,7 @@
           <a:bodyPr/>
           <a:lstStyle/>
           <a:p>
-            <a:fld id="{4A0E5D52-AED2-4D51-9A69-D412A0297F4D}" type="slidenum">
+            <a:fld id="{27C7F9AD-620B-4C14-BE3A-BF042EF68998}" type="slidenum">
               <a:rPr lang="zh-CN" altLang="en-US" smtClean="0"/>
               <a:t>‹#›</a:t>
             </a:fld>
@@ -515,7 +515,7 @@
     </p:spTree>
     <p:extLst>
       <p:ext uri="{BB962C8B-B14F-4D97-AF65-F5344CB8AC3E}">
-        <p14:creationId xmlns:p14="http://schemas.microsoft.com/office/powerpoint/2010/main" val="654123353"/>
+        <p14:creationId xmlns:p14="http://schemas.microsoft.com/office/powerpoint/2010/main" val="3175073308"/>
       </p:ext>
     </p:extLst>
   </p:cSld>
@@ -547,7 +547,7 @@
           <p:cNvPr id="2" name="竖排标题 1">
             <a:extLst>
               <a:ext uri="{FF2B5EF4-FFF2-40B4-BE49-F238E27FC236}">
-                <a16:creationId xmlns:a16="http://schemas.microsoft.com/office/drawing/2014/main" id="{38767F3E-E48F-3A62-44C2-A21A79406B91}"/>
+                <a16:creationId xmlns:a16="http://schemas.microsoft.com/office/drawing/2014/main" id="{425DD594-0344-06A8-6E25-A3EEFE5736C0}"/>
               </a:ext>
             </a:extLst>
           </p:cNvPr>
@@ -580,7 +580,7 @@
           <p:cNvPr id="3" name="竖排文字占位符 2">
             <a:extLst>
               <a:ext uri="{FF2B5EF4-FFF2-40B4-BE49-F238E27FC236}">
-                <a16:creationId xmlns:a16="http://schemas.microsoft.com/office/drawing/2014/main" id="{D90C62B0-5248-33B7-2BFE-A6473057ACF4}"/>
+                <a16:creationId xmlns:a16="http://schemas.microsoft.com/office/drawing/2014/main" id="{6C2C464D-31B8-03A5-71D3-EA6F1E1F9B5A}"/>
               </a:ext>
             </a:extLst>
           </p:cNvPr>
@@ -642,7 +642,7 @@
           <p:cNvPr id="4" name="日期占位符 3">
             <a:extLst>
               <a:ext uri="{FF2B5EF4-FFF2-40B4-BE49-F238E27FC236}">
-                <a16:creationId xmlns:a16="http://schemas.microsoft.com/office/drawing/2014/main" id="{77B6AB3A-E582-BABE-FA82-38A1D31F1377}"/>
+                <a16:creationId xmlns:a16="http://schemas.microsoft.com/office/drawing/2014/main" id="{46BD234B-C8A6-3A71-4AA6-05604EFC4D91}"/>
               </a:ext>
             </a:extLst>
           </p:cNvPr>
@@ -658,7 +658,7 @@
           <a:bodyPr/>
           <a:lstStyle/>
           <a:p>
-            <a:fld id="{92E34F18-ED1F-49CF-8A62-05653810AD7A}" type="datetimeFigureOut">
+            <a:fld id="{4108AF21-E982-4719-A86C-306BBE74DB67}" type="datetimeFigureOut">
               <a:rPr lang="zh-CN" altLang="en-US" smtClean="0"/>
               <a:t>2024/3/10</a:t>
             </a:fld>
@@ -671,7 +671,7 @@
           <p:cNvPr id="5" name="页脚占位符 4">
             <a:extLst>
               <a:ext uri="{FF2B5EF4-FFF2-40B4-BE49-F238E27FC236}">
-                <a16:creationId xmlns:a16="http://schemas.microsoft.com/office/drawing/2014/main" id="{E1F0F55B-95D5-B35F-734D-7B30E98D0685}"/>
+                <a16:creationId xmlns:a16="http://schemas.microsoft.com/office/drawing/2014/main" id="{8E04E249-B3C6-2DDB-09D6-DA26C0D4D655}"/>
               </a:ext>
             </a:extLst>
           </p:cNvPr>
@@ -696,7 +696,7 @@
           <p:cNvPr id="6" name="灯片编号占位符 5">
             <a:extLst>
               <a:ext uri="{FF2B5EF4-FFF2-40B4-BE49-F238E27FC236}">
-                <a16:creationId xmlns:a16="http://schemas.microsoft.com/office/drawing/2014/main" id="{8C4528BF-320A-6074-8CA6-F9B5A481F3FF}"/>
+                <a16:creationId xmlns:a16="http://schemas.microsoft.com/office/drawing/2014/main" id="{8617B39D-6F30-1031-4896-FFBDA3E0C07A}"/>
               </a:ext>
             </a:extLst>
           </p:cNvPr>
@@ -712,7 +712,7 @@
           <a:bodyPr/>
           <a:lstStyle/>
           <a:p>
-            <a:fld id="{4A0E5D52-AED2-4D51-9A69-D412A0297F4D}" type="slidenum">
+            <a:fld id="{27C7F9AD-620B-4C14-BE3A-BF042EF68998}" type="slidenum">
               <a:rPr lang="zh-CN" altLang="en-US" smtClean="0"/>
               <a:t>‹#›</a:t>
             </a:fld>
@@ -723,7 +723,7 @@
     </p:spTree>
     <p:extLst>
       <p:ext uri="{BB962C8B-B14F-4D97-AF65-F5344CB8AC3E}">
-        <p14:creationId xmlns:p14="http://schemas.microsoft.com/office/powerpoint/2010/main" val="3265230910"/>
+        <p14:creationId xmlns:p14="http://schemas.microsoft.com/office/powerpoint/2010/main" val="985624101"/>
       </p:ext>
     </p:extLst>
   </p:cSld>
@@ -755,7 +755,7 @@
           <p:cNvPr id="2" name="标题 1">
             <a:extLst>
               <a:ext uri="{FF2B5EF4-FFF2-40B4-BE49-F238E27FC236}">
-                <a16:creationId xmlns:a16="http://schemas.microsoft.com/office/drawing/2014/main" id="{B39184F7-8146-BA62-82CC-C2CCD357D534}"/>
+                <a16:creationId xmlns:a16="http://schemas.microsoft.com/office/drawing/2014/main" id="{93D35680-9BAD-F04C-4A68-0D0D3BEFD875}"/>
               </a:ext>
             </a:extLst>
           </p:cNvPr>
@@ -783,7 +783,7 @@
           <p:cNvPr id="3" name="内容占位符 2">
             <a:extLst>
               <a:ext uri="{FF2B5EF4-FFF2-40B4-BE49-F238E27FC236}">
-                <a16:creationId xmlns:a16="http://schemas.microsoft.com/office/drawing/2014/main" id="{835C79EA-EF66-4DBA-6B92-02C45E090D1C}"/>
+                <a16:creationId xmlns:a16="http://schemas.microsoft.com/office/drawing/2014/main" id="{57261219-1542-F654-451A-7F402F58B438}"/>
               </a:ext>
             </a:extLst>
           </p:cNvPr>
@@ -840,7 +840,7 @@
           <p:cNvPr id="4" name="日期占位符 3">
             <a:extLst>
               <a:ext uri="{FF2B5EF4-FFF2-40B4-BE49-F238E27FC236}">
-                <a16:creationId xmlns:a16="http://schemas.microsoft.com/office/drawing/2014/main" id="{C5185440-EB22-DED1-9020-7FE4AF9DBED7}"/>
+                <a16:creationId xmlns:a16="http://schemas.microsoft.com/office/drawing/2014/main" id="{8E447E1A-3613-055C-774D-C55735F8696A}"/>
               </a:ext>
             </a:extLst>
           </p:cNvPr>
@@ -856,7 +856,7 @@
           <a:bodyPr/>
           <a:lstStyle/>
           <a:p>
-            <a:fld id="{92E34F18-ED1F-49CF-8A62-05653810AD7A}" type="datetimeFigureOut">
+            <a:fld id="{4108AF21-E982-4719-A86C-306BBE74DB67}" type="datetimeFigureOut">
               <a:rPr lang="zh-CN" altLang="en-US" smtClean="0"/>
               <a:t>2024/3/10</a:t>
             </a:fld>
@@ -869,7 +869,7 @@
           <p:cNvPr id="5" name="页脚占位符 4">
             <a:extLst>
               <a:ext uri="{FF2B5EF4-FFF2-40B4-BE49-F238E27FC236}">
-                <a16:creationId xmlns:a16="http://schemas.microsoft.com/office/drawing/2014/main" id="{D87746C5-35B9-86F4-9963-E905C4455DC6}"/>
+                <a16:creationId xmlns:a16="http://schemas.microsoft.com/office/drawing/2014/main" id="{B02E28F7-78ED-0EF7-2224-770E6EE42124}"/>
               </a:ext>
             </a:extLst>
           </p:cNvPr>
@@ -894,7 +894,7 @@
           <p:cNvPr id="6" name="灯片编号占位符 5">
             <a:extLst>
               <a:ext uri="{FF2B5EF4-FFF2-40B4-BE49-F238E27FC236}">
-                <a16:creationId xmlns:a16="http://schemas.microsoft.com/office/drawing/2014/main" id="{71DB4DEB-1832-BC2E-E1C4-77CAEC455D9C}"/>
+                <a16:creationId xmlns:a16="http://schemas.microsoft.com/office/drawing/2014/main" id="{7A0C4EB7-8064-0940-BA84-76CCF3A3FEC4}"/>
               </a:ext>
             </a:extLst>
           </p:cNvPr>
@@ -910,7 +910,7 @@
           <a:bodyPr/>
           <a:lstStyle/>
           <a:p>
-            <a:fld id="{4A0E5D52-AED2-4D51-9A69-D412A0297F4D}" type="slidenum">
+            <a:fld id="{27C7F9AD-620B-4C14-BE3A-BF042EF68998}" type="slidenum">
               <a:rPr lang="zh-CN" altLang="en-US" smtClean="0"/>
               <a:t>‹#›</a:t>
             </a:fld>
@@ -921,7 +921,7 @@
     </p:spTree>
     <p:extLst>
       <p:ext uri="{BB962C8B-B14F-4D97-AF65-F5344CB8AC3E}">
-        <p14:creationId xmlns:p14="http://schemas.microsoft.com/office/powerpoint/2010/main" val="4117551898"/>
+        <p14:creationId xmlns:p14="http://schemas.microsoft.com/office/powerpoint/2010/main" val="666565928"/>
       </p:ext>
     </p:extLst>
   </p:cSld>
@@ -953,7 +953,7 @@
           <p:cNvPr id="2" name="标题 1">
             <a:extLst>
               <a:ext uri="{FF2B5EF4-FFF2-40B4-BE49-F238E27FC236}">
-                <a16:creationId xmlns:a16="http://schemas.microsoft.com/office/drawing/2014/main" id="{A7535442-D7A7-9BEC-76F7-5C9BAC579CB4}"/>
+                <a16:creationId xmlns:a16="http://schemas.microsoft.com/office/drawing/2014/main" id="{51DB2E03-057E-AE04-BCD1-B04F76C33BF9}"/>
               </a:ext>
             </a:extLst>
           </p:cNvPr>
@@ -990,7 +990,7 @@
           <p:cNvPr id="3" name="文本占位符 2">
             <a:extLst>
               <a:ext uri="{FF2B5EF4-FFF2-40B4-BE49-F238E27FC236}">
-                <a16:creationId xmlns:a16="http://schemas.microsoft.com/office/drawing/2014/main" id="{04A04DEE-C23D-E8B1-27EC-96F50FC7CB75}"/>
+                <a16:creationId xmlns:a16="http://schemas.microsoft.com/office/drawing/2014/main" id="{187E06CE-1B07-74B8-0782-7EF525C9785C}"/>
               </a:ext>
             </a:extLst>
           </p:cNvPr>
@@ -1115,7 +1115,7 @@
           <p:cNvPr id="4" name="日期占位符 3">
             <a:extLst>
               <a:ext uri="{FF2B5EF4-FFF2-40B4-BE49-F238E27FC236}">
-                <a16:creationId xmlns:a16="http://schemas.microsoft.com/office/drawing/2014/main" id="{60238857-84DF-606D-8D40-B2722E0AFAC1}"/>
+                <a16:creationId xmlns:a16="http://schemas.microsoft.com/office/drawing/2014/main" id="{B3F4A70A-96F8-271C-8D47-F1691E671E47}"/>
               </a:ext>
             </a:extLst>
           </p:cNvPr>
@@ -1131,7 +1131,7 @@
           <a:bodyPr/>
           <a:lstStyle/>
           <a:p>
-            <a:fld id="{92E34F18-ED1F-49CF-8A62-05653810AD7A}" type="datetimeFigureOut">
+            <a:fld id="{4108AF21-E982-4719-A86C-306BBE74DB67}" type="datetimeFigureOut">
               <a:rPr lang="zh-CN" altLang="en-US" smtClean="0"/>
               <a:t>2024/3/10</a:t>
             </a:fld>
@@ -1144,7 +1144,7 @@
           <p:cNvPr id="5" name="页脚占位符 4">
             <a:extLst>
               <a:ext uri="{FF2B5EF4-FFF2-40B4-BE49-F238E27FC236}">
-                <a16:creationId xmlns:a16="http://schemas.microsoft.com/office/drawing/2014/main" id="{69378159-4F9F-F2BF-5C85-4861AE721F7E}"/>
+                <a16:creationId xmlns:a16="http://schemas.microsoft.com/office/drawing/2014/main" id="{92E3E8FE-BE35-F0C3-CA47-966DE6C78A23}"/>
               </a:ext>
             </a:extLst>
           </p:cNvPr>
@@ -1169,7 +1169,7 @@
           <p:cNvPr id="6" name="灯片编号占位符 5">
             <a:extLst>
               <a:ext uri="{FF2B5EF4-FFF2-40B4-BE49-F238E27FC236}">
-                <a16:creationId xmlns:a16="http://schemas.microsoft.com/office/drawing/2014/main" id="{3F8B510E-73DD-02D4-0308-195ED0F991DF}"/>
+                <a16:creationId xmlns:a16="http://schemas.microsoft.com/office/drawing/2014/main" id="{569232B8-8345-0D4E-79FB-725C19CB0EB6}"/>
               </a:ext>
             </a:extLst>
           </p:cNvPr>
@@ -1185,7 +1185,7 @@
           <a:bodyPr/>
           <a:lstStyle/>
           <a:p>
-            <a:fld id="{4A0E5D52-AED2-4D51-9A69-D412A0297F4D}" type="slidenum">
+            <a:fld id="{27C7F9AD-620B-4C14-BE3A-BF042EF68998}" type="slidenum">
               <a:rPr lang="zh-CN" altLang="en-US" smtClean="0"/>
               <a:t>‹#›</a:t>
             </a:fld>
@@ -1196,7 +1196,7 @@
     </p:spTree>
     <p:extLst>
       <p:ext uri="{BB962C8B-B14F-4D97-AF65-F5344CB8AC3E}">
-        <p14:creationId xmlns:p14="http://schemas.microsoft.com/office/powerpoint/2010/main" val="3860625142"/>
+        <p14:creationId xmlns:p14="http://schemas.microsoft.com/office/powerpoint/2010/main" val="919730899"/>
       </p:ext>
     </p:extLst>
   </p:cSld>
@@ -1228,7 +1228,7 @@
           <p:cNvPr id="2" name="标题 1">
             <a:extLst>
               <a:ext uri="{FF2B5EF4-FFF2-40B4-BE49-F238E27FC236}">
-                <a16:creationId xmlns:a16="http://schemas.microsoft.com/office/drawing/2014/main" id="{4773EB55-87DA-AE0A-E3BC-FF9D140382F1}"/>
+                <a16:creationId xmlns:a16="http://schemas.microsoft.com/office/drawing/2014/main" id="{23DE9970-DCB3-ED3B-C59F-CA402BF92D74}"/>
               </a:ext>
             </a:extLst>
           </p:cNvPr>
@@ -1256,7 +1256,7 @@
           <p:cNvPr id="3" name="内容占位符 2">
             <a:extLst>
               <a:ext uri="{FF2B5EF4-FFF2-40B4-BE49-F238E27FC236}">
-                <a16:creationId xmlns:a16="http://schemas.microsoft.com/office/drawing/2014/main" id="{EA5D91C0-D31B-CEFD-1B51-46AE627A734E}"/>
+                <a16:creationId xmlns:a16="http://schemas.microsoft.com/office/drawing/2014/main" id="{342C3B66-6774-C445-1AD1-C162B2A41557}"/>
               </a:ext>
             </a:extLst>
           </p:cNvPr>
@@ -1318,7 +1318,7 @@
           <p:cNvPr id="4" name="内容占位符 3">
             <a:extLst>
               <a:ext uri="{FF2B5EF4-FFF2-40B4-BE49-F238E27FC236}">
-                <a16:creationId xmlns:a16="http://schemas.microsoft.com/office/drawing/2014/main" id="{6623D27A-1CF6-A389-0662-499ED53A5FD0}"/>
+                <a16:creationId xmlns:a16="http://schemas.microsoft.com/office/drawing/2014/main" id="{C9B7E92C-C3DC-B1A8-49A6-89DF89F6DC41}"/>
               </a:ext>
             </a:extLst>
           </p:cNvPr>
@@ -1380,7 +1380,7 @@
           <p:cNvPr id="5" name="日期占位符 4">
             <a:extLst>
               <a:ext uri="{FF2B5EF4-FFF2-40B4-BE49-F238E27FC236}">
-                <a16:creationId xmlns:a16="http://schemas.microsoft.com/office/drawing/2014/main" id="{6DF09615-08D6-1939-3D3A-B9321E049F9E}"/>
+                <a16:creationId xmlns:a16="http://schemas.microsoft.com/office/drawing/2014/main" id="{092268E2-222B-7DEA-B70A-E278BFBF9E11}"/>
               </a:ext>
             </a:extLst>
           </p:cNvPr>
@@ -1396,7 +1396,7 @@
           <a:bodyPr/>
           <a:lstStyle/>
           <a:p>
-            <a:fld id="{92E34F18-ED1F-49CF-8A62-05653810AD7A}" type="datetimeFigureOut">
+            <a:fld id="{4108AF21-E982-4719-A86C-306BBE74DB67}" type="datetimeFigureOut">
               <a:rPr lang="zh-CN" altLang="en-US" smtClean="0"/>
               <a:t>2024/3/10</a:t>
             </a:fld>
@@ -1409,7 +1409,7 @@
           <p:cNvPr id="6" name="页脚占位符 5">
             <a:extLst>
               <a:ext uri="{FF2B5EF4-FFF2-40B4-BE49-F238E27FC236}">
-                <a16:creationId xmlns:a16="http://schemas.microsoft.com/office/drawing/2014/main" id="{44C0A0BD-B96C-3E50-5368-B2905094E9EA}"/>
+                <a16:creationId xmlns:a16="http://schemas.microsoft.com/office/drawing/2014/main" id="{38DEAF77-B694-F280-89CE-232AAB649603}"/>
               </a:ext>
             </a:extLst>
           </p:cNvPr>
@@ -1434,7 +1434,7 @@
           <p:cNvPr id="7" name="灯片编号占位符 6">
             <a:extLst>
               <a:ext uri="{FF2B5EF4-FFF2-40B4-BE49-F238E27FC236}">
-                <a16:creationId xmlns:a16="http://schemas.microsoft.com/office/drawing/2014/main" id="{61841862-0C94-F862-F9C4-C60A9382AAB3}"/>
+                <a16:creationId xmlns:a16="http://schemas.microsoft.com/office/drawing/2014/main" id="{15E48F29-A219-574C-2BFB-DF4993B7AA7E}"/>
               </a:ext>
             </a:extLst>
           </p:cNvPr>
@@ -1450,7 +1450,7 @@
           <a:bodyPr/>
           <a:lstStyle/>
           <a:p>
-            <a:fld id="{4A0E5D52-AED2-4D51-9A69-D412A0297F4D}" type="slidenum">
+            <a:fld id="{27C7F9AD-620B-4C14-BE3A-BF042EF68998}" type="slidenum">
               <a:rPr lang="zh-CN" altLang="en-US" smtClean="0"/>
               <a:t>‹#›</a:t>
             </a:fld>
@@ -1461,7 +1461,7 @@
     </p:spTree>
     <p:extLst>
       <p:ext uri="{BB962C8B-B14F-4D97-AF65-F5344CB8AC3E}">
-        <p14:creationId xmlns:p14="http://schemas.microsoft.com/office/powerpoint/2010/main" val="390484202"/>
+        <p14:creationId xmlns:p14="http://schemas.microsoft.com/office/powerpoint/2010/main" val="4128235253"/>
       </p:ext>
     </p:extLst>
   </p:cSld>
@@ -1493,7 +1493,7 @@
           <p:cNvPr id="2" name="标题 1">
             <a:extLst>
               <a:ext uri="{FF2B5EF4-FFF2-40B4-BE49-F238E27FC236}">
-                <a16:creationId xmlns:a16="http://schemas.microsoft.com/office/drawing/2014/main" id="{01EFFEC2-D9CB-A417-FB80-35FD70FAF49D}"/>
+                <a16:creationId xmlns:a16="http://schemas.microsoft.com/office/drawing/2014/main" id="{6B4D832D-3ED1-7A53-F2BA-5856C11F6629}"/>
               </a:ext>
             </a:extLst>
           </p:cNvPr>
@@ -1526,7 +1526,7 @@
           <p:cNvPr id="3" name="文本占位符 2">
             <a:extLst>
               <a:ext uri="{FF2B5EF4-FFF2-40B4-BE49-F238E27FC236}">
-                <a16:creationId xmlns:a16="http://schemas.microsoft.com/office/drawing/2014/main" id="{F3A20078-87C1-3D28-C538-424F00E9672E}"/>
+                <a16:creationId xmlns:a16="http://schemas.microsoft.com/office/drawing/2014/main" id="{1CF152B7-F99E-18CB-AB1B-ACA1222F45CA}"/>
               </a:ext>
             </a:extLst>
           </p:cNvPr>
@@ -1597,7 +1597,7 @@
           <p:cNvPr id="4" name="内容占位符 3">
             <a:extLst>
               <a:ext uri="{FF2B5EF4-FFF2-40B4-BE49-F238E27FC236}">
-                <a16:creationId xmlns:a16="http://schemas.microsoft.com/office/drawing/2014/main" id="{8FB815A5-E224-CF89-6DC0-B75AB986EBE5}"/>
+                <a16:creationId xmlns:a16="http://schemas.microsoft.com/office/drawing/2014/main" id="{624863C1-14FE-EABD-C805-D9E0CBE47F6E}"/>
               </a:ext>
             </a:extLst>
           </p:cNvPr>
@@ -1659,7 +1659,7 @@
           <p:cNvPr id="5" name="文本占位符 4">
             <a:extLst>
               <a:ext uri="{FF2B5EF4-FFF2-40B4-BE49-F238E27FC236}">
-                <a16:creationId xmlns:a16="http://schemas.microsoft.com/office/drawing/2014/main" id="{7128180B-FFF2-6CD7-7F8A-8948D17C5B88}"/>
+                <a16:creationId xmlns:a16="http://schemas.microsoft.com/office/drawing/2014/main" id="{B218A5CF-6449-AE45-58CC-121B929EDF0A}"/>
               </a:ext>
             </a:extLst>
           </p:cNvPr>
@@ -1730,7 +1730,7 @@
           <p:cNvPr id="6" name="内容占位符 5">
             <a:extLst>
               <a:ext uri="{FF2B5EF4-FFF2-40B4-BE49-F238E27FC236}">
-                <a16:creationId xmlns:a16="http://schemas.microsoft.com/office/drawing/2014/main" id="{C41CC2A0-73F4-9573-94DC-3F981DFD61E3}"/>
+                <a16:creationId xmlns:a16="http://schemas.microsoft.com/office/drawing/2014/main" id="{E159421E-B988-F4E1-C101-E70339C88D61}"/>
               </a:ext>
             </a:extLst>
           </p:cNvPr>
@@ -1792,7 +1792,7 @@
           <p:cNvPr id="7" name="日期占位符 6">
             <a:extLst>
               <a:ext uri="{FF2B5EF4-FFF2-40B4-BE49-F238E27FC236}">
-                <a16:creationId xmlns:a16="http://schemas.microsoft.com/office/drawing/2014/main" id="{1F6EACD4-8C41-8A0D-EB8F-A13CAFBECE98}"/>
+                <a16:creationId xmlns:a16="http://schemas.microsoft.com/office/drawing/2014/main" id="{D491B0E8-A4AB-1AF8-DD32-2EAAEAAE061F}"/>
               </a:ext>
             </a:extLst>
           </p:cNvPr>
@@ -1808,7 +1808,7 @@
           <a:bodyPr/>
           <a:lstStyle/>
           <a:p>
-            <a:fld id="{92E34F18-ED1F-49CF-8A62-05653810AD7A}" type="datetimeFigureOut">
+            <a:fld id="{4108AF21-E982-4719-A86C-306BBE74DB67}" type="datetimeFigureOut">
               <a:rPr lang="zh-CN" altLang="en-US" smtClean="0"/>
               <a:t>2024/3/10</a:t>
             </a:fld>
@@ -1821,7 +1821,7 @@
           <p:cNvPr id="8" name="页脚占位符 7">
             <a:extLst>
               <a:ext uri="{FF2B5EF4-FFF2-40B4-BE49-F238E27FC236}">
-                <a16:creationId xmlns:a16="http://schemas.microsoft.com/office/drawing/2014/main" id="{4B8591C5-128B-6AEA-6E50-F7C304293CD5}"/>
+                <a16:creationId xmlns:a16="http://schemas.microsoft.com/office/drawing/2014/main" id="{5447D2D8-66AE-15A0-F030-2752646A4106}"/>
               </a:ext>
             </a:extLst>
           </p:cNvPr>
@@ -1846,7 +1846,7 @@
           <p:cNvPr id="9" name="灯片编号占位符 8">
             <a:extLst>
               <a:ext uri="{FF2B5EF4-FFF2-40B4-BE49-F238E27FC236}">
-                <a16:creationId xmlns:a16="http://schemas.microsoft.com/office/drawing/2014/main" id="{B5467EB0-2B33-8023-AE7C-5A1D5FF104D4}"/>
+                <a16:creationId xmlns:a16="http://schemas.microsoft.com/office/drawing/2014/main" id="{24CFCD2F-8C0E-7E4D-737E-F260AA4D5437}"/>
               </a:ext>
             </a:extLst>
           </p:cNvPr>
@@ -1862,7 +1862,7 @@
           <a:bodyPr/>
           <a:lstStyle/>
           <a:p>
-            <a:fld id="{4A0E5D52-AED2-4D51-9A69-D412A0297F4D}" type="slidenum">
+            <a:fld id="{27C7F9AD-620B-4C14-BE3A-BF042EF68998}" type="slidenum">
               <a:rPr lang="zh-CN" altLang="en-US" smtClean="0"/>
               <a:t>‹#›</a:t>
             </a:fld>
@@ -1873,7 +1873,7 @@
     </p:spTree>
     <p:extLst>
       <p:ext uri="{BB962C8B-B14F-4D97-AF65-F5344CB8AC3E}">
-        <p14:creationId xmlns:p14="http://schemas.microsoft.com/office/powerpoint/2010/main" val="4186942911"/>
+        <p14:creationId xmlns:p14="http://schemas.microsoft.com/office/powerpoint/2010/main" val="3105705237"/>
       </p:ext>
     </p:extLst>
   </p:cSld>
@@ -1905,7 +1905,7 @@
           <p:cNvPr id="2" name="标题 1">
             <a:extLst>
               <a:ext uri="{FF2B5EF4-FFF2-40B4-BE49-F238E27FC236}">
-                <a16:creationId xmlns:a16="http://schemas.microsoft.com/office/drawing/2014/main" id="{B764C8DA-4242-1DA6-2B42-CC9895D96EF4}"/>
+                <a16:creationId xmlns:a16="http://schemas.microsoft.com/office/drawing/2014/main" id="{5240AADB-9C38-8A6B-6160-914E114F3605}"/>
               </a:ext>
             </a:extLst>
           </p:cNvPr>
@@ -1933,7 +1933,7 @@
           <p:cNvPr id="3" name="日期占位符 2">
             <a:extLst>
               <a:ext uri="{FF2B5EF4-FFF2-40B4-BE49-F238E27FC236}">
-                <a16:creationId xmlns:a16="http://schemas.microsoft.com/office/drawing/2014/main" id="{365510C1-D9BA-AA11-CD3A-D001DB5E5A4F}"/>
+                <a16:creationId xmlns:a16="http://schemas.microsoft.com/office/drawing/2014/main" id="{68CE1A67-75E4-C7B8-84BB-D01BB57503FE}"/>
               </a:ext>
             </a:extLst>
           </p:cNvPr>
@@ -1949,7 +1949,7 @@
           <a:bodyPr/>
           <a:lstStyle/>
           <a:p>
-            <a:fld id="{92E34F18-ED1F-49CF-8A62-05653810AD7A}" type="datetimeFigureOut">
+            <a:fld id="{4108AF21-E982-4719-A86C-306BBE74DB67}" type="datetimeFigureOut">
               <a:rPr lang="zh-CN" altLang="en-US" smtClean="0"/>
               <a:t>2024/3/10</a:t>
             </a:fld>
@@ -1962,7 +1962,7 @@
           <p:cNvPr id="4" name="页脚占位符 3">
             <a:extLst>
               <a:ext uri="{FF2B5EF4-FFF2-40B4-BE49-F238E27FC236}">
-                <a16:creationId xmlns:a16="http://schemas.microsoft.com/office/drawing/2014/main" id="{052A8DDF-F4F1-BDA9-0680-AC675EE0E21F}"/>
+                <a16:creationId xmlns:a16="http://schemas.microsoft.com/office/drawing/2014/main" id="{E8724505-DE56-5D85-7527-328447DA3B7C}"/>
               </a:ext>
             </a:extLst>
           </p:cNvPr>
@@ -1987,7 +1987,7 @@
           <p:cNvPr id="5" name="灯片编号占位符 4">
             <a:extLst>
               <a:ext uri="{FF2B5EF4-FFF2-40B4-BE49-F238E27FC236}">
-                <a16:creationId xmlns:a16="http://schemas.microsoft.com/office/drawing/2014/main" id="{2537CD92-0F04-4E01-F778-84D809368AB7}"/>
+                <a16:creationId xmlns:a16="http://schemas.microsoft.com/office/drawing/2014/main" id="{EDD286AD-E8E0-EAF3-4499-22A7F110E68D}"/>
               </a:ext>
             </a:extLst>
           </p:cNvPr>
@@ -2003,7 +2003,7 @@
           <a:bodyPr/>
           <a:lstStyle/>
           <a:p>
-            <a:fld id="{4A0E5D52-AED2-4D51-9A69-D412A0297F4D}" type="slidenum">
+            <a:fld id="{27C7F9AD-620B-4C14-BE3A-BF042EF68998}" type="slidenum">
               <a:rPr lang="zh-CN" altLang="en-US" smtClean="0"/>
               <a:t>‹#›</a:t>
             </a:fld>
@@ -2014,7 +2014,7 @@
     </p:spTree>
     <p:extLst>
       <p:ext uri="{BB962C8B-B14F-4D97-AF65-F5344CB8AC3E}">
-        <p14:creationId xmlns:p14="http://schemas.microsoft.com/office/powerpoint/2010/main" val="1509173578"/>
+        <p14:creationId xmlns:p14="http://schemas.microsoft.com/office/powerpoint/2010/main" val="4002606583"/>
       </p:ext>
     </p:extLst>
   </p:cSld>
@@ -2046,7 +2046,7 @@
           <p:cNvPr id="2" name="日期占位符 1">
             <a:extLst>
               <a:ext uri="{FF2B5EF4-FFF2-40B4-BE49-F238E27FC236}">
-                <a16:creationId xmlns:a16="http://schemas.microsoft.com/office/drawing/2014/main" id="{3B45830F-1883-8C79-017F-90575C2AF6A4}"/>
+                <a16:creationId xmlns:a16="http://schemas.microsoft.com/office/drawing/2014/main" id="{9A650E32-6E93-6D8A-F447-154476E33327}"/>
               </a:ext>
             </a:extLst>
           </p:cNvPr>
@@ -2062,7 +2062,7 @@
           <a:bodyPr/>
           <a:lstStyle/>
           <a:p>
-            <a:fld id="{92E34F18-ED1F-49CF-8A62-05653810AD7A}" type="datetimeFigureOut">
+            <a:fld id="{4108AF21-E982-4719-A86C-306BBE74DB67}" type="datetimeFigureOut">
               <a:rPr lang="zh-CN" altLang="en-US" smtClean="0"/>
               <a:t>2024/3/10</a:t>
             </a:fld>
@@ -2075,7 +2075,7 @@
           <p:cNvPr id="3" name="页脚占位符 2">
             <a:extLst>
               <a:ext uri="{FF2B5EF4-FFF2-40B4-BE49-F238E27FC236}">
-                <a16:creationId xmlns:a16="http://schemas.microsoft.com/office/drawing/2014/main" id="{CA2DBCBD-1512-3E47-A3AC-64B07ACFC319}"/>
+                <a16:creationId xmlns:a16="http://schemas.microsoft.com/office/drawing/2014/main" id="{12E2D8D2-26A7-1319-EEEA-95BBEDF3F5DE}"/>
               </a:ext>
             </a:extLst>
           </p:cNvPr>
@@ -2100,7 +2100,7 @@
           <p:cNvPr id="4" name="灯片编号占位符 3">
             <a:extLst>
               <a:ext uri="{FF2B5EF4-FFF2-40B4-BE49-F238E27FC236}">
-                <a16:creationId xmlns:a16="http://schemas.microsoft.com/office/drawing/2014/main" id="{AA7F55C6-0214-20BF-872D-9E9F3A150B3E}"/>
+                <a16:creationId xmlns:a16="http://schemas.microsoft.com/office/drawing/2014/main" id="{54C149D9-BFD1-3121-EF91-953A89923435}"/>
               </a:ext>
             </a:extLst>
           </p:cNvPr>
@@ -2116,7 +2116,7 @@
           <a:bodyPr/>
           <a:lstStyle/>
           <a:p>
-            <a:fld id="{4A0E5D52-AED2-4D51-9A69-D412A0297F4D}" type="slidenum">
+            <a:fld id="{27C7F9AD-620B-4C14-BE3A-BF042EF68998}" type="slidenum">
               <a:rPr lang="zh-CN" altLang="en-US" smtClean="0"/>
               <a:t>‹#›</a:t>
             </a:fld>
@@ -2127,7 +2127,7 @@
     </p:spTree>
     <p:extLst>
       <p:ext uri="{BB962C8B-B14F-4D97-AF65-F5344CB8AC3E}">
-        <p14:creationId xmlns:p14="http://schemas.microsoft.com/office/powerpoint/2010/main" val="1971204773"/>
+        <p14:creationId xmlns:p14="http://schemas.microsoft.com/office/powerpoint/2010/main" val="2290677298"/>
       </p:ext>
     </p:extLst>
   </p:cSld>
@@ -2159,7 +2159,7 @@
           <p:cNvPr id="2" name="标题 1">
             <a:extLst>
               <a:ext uri="{FF2B5EF4-FFF2-40B4-BE49-F238E27FC236}">
-                <a16:creationId xmlns:a16="http://schemas.microsoft.com/office/drawing/2014/main" id="{944A4685-2C42-8133-EC5B-CF38D5836FAA}"/>
+                <a16:creationId xmlns:a16="http://schemas.microsoft.com/office/drawing/2014/main" id="{175C31CD-8399-5BE1-F986-BC2E8D1800C1}"/>
               </a:ext>
             </a:extLst>
           </p:cNvPr>
@@ -2196,7 +2196,7 @@
           <p:cNvPr id="3" name="内容占位符 2">
             <a:extLst>
               <a:ext uri="{FF2B5EF4-FFF2-40B4-BE49-F238E27FC236}">
-                <a16:creationId xmlns:a16="http://schemas.microsoft.com/office/drawing/2014/main" id="{DADC0175-4DD7-0135-6EFB-67C635073F41}"/>
+                <a16:creationId xmlns:a16="http://schemas.microsoft.com/office/drawing/2014/main" id="{9AE4D3F7-9297-C4F3-C829-D3848D40E1BA}"/>
               </a:ext>
             </a:extLst>
           </p:cNvPr>
@@ -2286,7 +2286,7 @@
           <p:cNvPr id="4" name="文本占位符 3">
             <a:extLst>
               <a:ext uri="{FF2B5EF4-FFF2-40B4-BE49-F238E27FC236}">
-                <a16:creationId xmlns:a16="http://schemas.microsoft.com/office/drawing/2014/main" id="{DE55208C-9024-1B5D-6688-19F67E3F04C4}"/>
+                <a16:creationId xmlns:a16="http://schemas.microsoft.com/office/drawing/2014/main" id="{EB015454-AB5B-0B3D-DA95-0E0BB7958BA6}"/>
               </a:ext>
             </a:extLst>
           </p:cNvPr>
@@ -2357,7 +2357,7 @@
           <p:cNvPr id="5" name="日期占位符 4">
             <a:extLst>
               <a:ext uri="{FF2B5EF4-FFF2-40B4-BE49-F238E27FC236}">
-                <a16:creationId xmlns:a16="http://schemas.microsoft.com/office/drawing/2014/main" id="{71A0A107-B0E9-FD31-4BFB-677ECBDBFD22}"/>
+                <a16:creationId xmlns:a16="http://schemas.microsoft.com/office/drawing/2014/main" id="{D84D01AC-2A3E-B0D3-B82B-C4618A9AAF4C}"/>
               </a:ext>
             </a:extLst>
           </p:cNvPr>
@@ -2373,7 +2373,7 @@
           <a:bodyPr/>
           <a:lstStyle/>
           <a:p>
-            <a:fld id="{92E34F18-ED1F-49CF-8A62-05653810AD7A}" type="datetimeFigureOut">
+            <a:fld id="{4108AF21-E982-4719-A86C-306BBE74DB67}" type="datetimeFigureOut">
               <a:rPr lang="zh-CN" altLang="en-US" smtClean="0"/>
               <a:t>2024/3/10</a:t>
             </a:fld>
@@ -2386,7 +2386,7 @@
           <p:cNvPr id="6" name="页脚占位符 5">
             <a:extLst>
               <a:ext uri="{FF2B5EF4-FFF2-40B4-BE49-F238E27FC236}">
-                <a16:creationId xmlns:a16="http://schemas.microsoft.com/office/drawing/2014/main" id="{E2388D0F-110B-9285-FC1B-47349407C435}"/>
+                <a16:creationId xmlns:a16="http://schemas.microsoft.com/office/drawing/2014/main" id="{8B0A81C0-483D-C1FF-23FD-A251A121CD2B}"/>
               </a:ext>
             </a:extLst>
           </p:cNvPr>
@@ -2411,7 +2411,7 @@
           <p:cNvPr id="7" name="灯片编号占位符 6">
             <a:extLst>
               <a:ext uri="{FF2B5EF4-FFF2-40B4-BE49-F238E27FC236}">
-                <a16:creationId xmlns:a16="http://schemas.microsoft.com/office/drawing/2014/main" id="{800B2A8E-8037-987E-A1AB-5E8BF1CBE475}"/>
+                <a16:creationId xmlns:a16="http://schemas.microsoft.com/office/drawing/2014/main" id="{FF221505-960D-B869-A245-09990219846C}"/>
               </a:ext>
             </a:extLst>
           </p:cNvPr>
@@ -2427,7 +2427,7 @@
           <a:bodyPr/>
           <a:lstStyle/>
           <a:p>
-            <a:fld id="{4A0E5D52-AED2-4D51-9A69-D412A0297F4D}" type="slidenum">
+            <a:fld id="{27C7F9AD-620B-4C14-BE3A-BF042EF68998}" type="slidenum">
               <a:rPr lang="zh-CN" altLang="en-US" smtClean="0"/>
               <a:t>‹#›</a:t>
             </a:fld>
@@ -2438,7 +2438,7 @@
     </p:spTree>
     <p:extLst>
       <p:ext uri="{BB962C8B-B14F-4D97-AF65-F5344CB8AC3E}">
-        <p14:creationId xmlns:p14="http://schemas.microsoft.com/office/powerpoint/2010/main" val="2793588296"/>
+        <p14:creationId xmlns:p14="http://schemas.microsoft.com/office/powerpoint/2010/main" val="2981865912"/>
       </p:ext>
     </p:extLst>
   </p:cSld>
@@ -2470,7 +2470,7 @@
           <p:cNvPr id="2" name="标题 1">
             <a:extLst>
               <a:ext uri="{FF2B5EF4-FFF2-40B4-BE49-F238E27FC236}">
-                <a16:creationId xmlns:a16="http://schemas.microsoft.com/office/drawing/2014/main" id="{85BDBB8E-7E2F-0015-9CFD-2217E6CE0B7F}"/>
+                <a16:creationId xmlns:a16="http://schemas.microsoft.com/office/drawing/2014/main" id="{6A137803-2E43-9616-CFFC-B730D1681CAF}"/>
               </a:ext>
             </a:extLst>
           </p:cNvPr>
@@ -2507,7 +2507,7 @@
           <p:cNvPr id="3" name="图片占位符 2">
             <a:extLst>
               <a:ext uri="{FF2B5EF4-FFF2-40B4-BE49-F238E27FC236}">
-                <a16:creationId xmlns:a16="http://schemas.microsoft.com/office/drawing/2014/main" id="{E01A2A41-4F94-92F0-0648-910E6D88726E}"/>
+                <a16:creationId xmlns:a16="http://schemas.microsoft.com/office/drawing/2014/main" id="{51458060-6853-5552-FDAC-213269FCF733}"/>
               </a:ext>
             </a:extLst>
           </p:cNvPr>
@@ -2574,7 +2574,7 @@
           <p:cNvPr id="4" name="文本占位符 3">
             <a:extLst>
               <a:ext uri="{FF2B5EF4-FFF2-40B4-BE49-F238E27FC236}">
-                <a16:creationId xmlns:a16="http://schemas.microsoft.com/office/drawing/2014/main" id="{66291FFC-F40B-AFE9-82ED-E29FBE370428}"/>
+                <a16:creationId xmlns:a16="http://schemas.microsoft.com/office/drawing/2014/main" id="{755A741A-1844-84C8-A780-DD5253DA520E}"/>
               </a:ext>
             </a:extLst>
           </p:cNvPr>
@@ -2645,7 +2645,7 @@
           <p:cNvPr id="5" name="日期占位符 4">
             <a:extLst>
               <a:ext uri="{FF2B5EF4-FFF2-40B4-BE49-F238E27FC236}">
-                <a16:creationId xmlns:a16="http://schemas.microsoft.com/office/drawing/2014/main" id="{4479A2AB-8BC5-EE5E-B552-5C50D34ABDB6}"/>
+                <a16:creationId xmlns:a16="http://schemas.microsoft.com/office/drawing/2014/main" id="{386AADC7-16CC-86EA-135D-C40E98B4FAD2}"/>
               </a:ext>
             </a:extLst>
           </p:cNvPr>
@@ -2661,7 +2661,7 @@
           <a:bodyPr/>
           <a:lstStyle/>
           <a:p>
-            <a:fld id="{92E34F18-ED1F-49CF-8A62-05653810AD7A}" type="datetimeFigureOut">
+            <a:fld id="{4108AF21-E982-4719-A86C-306BBE74DB67}" type="datetimeFigureOut">
               <a:rPr lang="zh-CN" altLang="en-US" smtClean="0"/>
               <a:t>2024/3/10</a:t>
             </a:fld>
@@ -2674,7 +2674,7 @@
           <p:cNvPr id="6" name="页脚占位符 5">
             <a:extLst>
               <a:ext uri="{FF2B5EF4-FFF2-40B4-BE49-F238E27FC236}">
-                <a16:creationId xmlns:a16="http://schemas.microsoft.com/office/drawing/2014/main" id="{2D8358F8-08D8-DEAC-7C13-D8D7804C6F78}"/>
+                <a16:creationId xmlns:a16="http://schemas.microsoft.com/office/drawing/2014/main" id="{6AF81171-BBE6-EA2D-A315-DE65738138B1}"/>
               </a:ext>
             </a:extLst>
           </p:cNvPr>
@@ -2699,7 +2699,7 @@
           <p:cNvPr id="7" name="灯片编号占位符 6">
             <a:extLst>
               <a:ext uri="{FF2B5EF4-FFF2-40B4-BE49-F238E27FC236}">
-                <a16:creationId xmlns:a16="http://schemas.microsoft.com/office/drawing/2014/main" id="{954B4357-1CA0-3EA8-D719-7B3C0D8333AD}"/>
+                <a16:creationId xmlns:a16="http://schemas.microsoft.com/office/drawing/2014/main" id="{4AF4802D-54D6-2AB6-3504-7BF9A136FCC2}"/>
               </a:ext>
             </a:extLst>
           </p:cNvPr>
@@ -2715,7 +2715,7 @@
           <a:bodyPr/>
           <a:lstStyle/>
           <a:p>
-            <a:fld id="{4A0E5D52-AED2-4D51-9A69-D412A0297F4D}" type="slidenum">
+            <a:fld id="{27C7F9AD-620B-4C14-BE3A-BF042EF68998}" type="slidenum">
               <a:rPr lang="zh-CN" altLang="en-US" smtClean="0"/>
               <a:t>‹#›</a:t>
             </a:fld>
@@ -2726,7 +2726,7 @@
     </p:spTree>
     <p:extLst>
       <p:ext uri="{BB962C8B-B14F-4D97-AF65-F5344CB8AC3E}">
-        <p14:creationId xmlns:p14="http://schemas.microsoft.com/office/powerpoint/2010/main" val="2218619948"/>
+        <p14:creationId xmlns:p14="http://schemas.microsoft.com/office/powerpoint/2010/main" val="1475282527"/>
       </p:ext>
     </p:extLst>
   </p:cSld>
@@ -2763,7 +2763,7 @@
           <p:cNvPr id="2" name="标题占位符 1">
             <a:extLst>
               <a:ext uri="{FF2B5EF4-FFF2-40B4-BE49-F238E27FC236}">
-                <a16:creationId xmlns:a16="http://schemas.microsoft.com/office/drawing/2014/main" id="{67764366-5624-D2B9-E77B-835A96F1E2A8}"/>
+                <a16:creationId xmlns:a16="http://schemas.microsoft.com/office/drawing/2014/main" id="{1AD6A5A6-BC6E-0119-3547-1D36551E8F36}"/>
               </a:ext>
             </a:extLst>
           </p:cNvPr>
@@ -2801,7 +2801,7 @@
           <p:cNvPr id="3" name="文本占位符 2">
             <a:extLst>
               <a:ext uri="{FF2B5EF4-FFF2-40B4-BE49-F238E27FC236}">
-                <a16:creationId xmlns:a16="http://schemas.microsoft.com/office/drawing/2014/main" id="{0A04845C-CD30-52BB-B72C-09C726B6D6D2}"/>
+                <a16:creationId xmlns:a16="http://schemas.microsoft.com/office/drawing/2014/main" id="{3532B7D6-B666-4E83-AC10-14A2DCE40FB0}"/>
               </a:ext>
             </a:extLst>
           </p:cNvPr>
@@ -2868,7 +2868,7 @@
           <p:cNvPr id="4" name="日期占位符 3">
             <a:extLst>
               <a:ext uri="{FF2B5EF4-FFF2-40B4-BE49-F238E27FC236}">
-                <a16:creationId xmlns:a16="http://schemas.microsoft.com/office/drawing/2014/main" id="{B24D83EE-B598-F751-B89A-8CEC2F7BC97D}"/>
+                <a16:creationId xmlns:a16="http://schemas.microsoft.com/office/drawing/2014/main" id="{7A51328F-7297-534B-1003-42DF03F16E85}"/>
               </a:ext>
             </a:extLst>
           </p:cNvPr>
@@ -2902,7 +2902,7 @@
             </a:lvl1pPr>
           </a:lstStyle>
           <a:p>
-            <a:fld id="{92E34F18-ED1F-49CF-8A62-05653810AD7A}" type="datetimeFigureOut">
+            <a:fld id="{4108AF21-E982-4719-A86C-306BBE74DB67}" type="datetimeFigureOut">
               <a:rPr lang="zh-CN" altLang="en-US" smtClean="0"/>
               <a:t>2024/3/10</a:t>
             </a:fld>
@@ -2915,7 +2915,7 @@
           <p:cNvPr id="5" name="页脚占位符 4">
             <a:extLst>
               <a:ext uri="{FF2B5EF4-FFF2-40B4-BE49-F238E27FC236}">
-                <a16:creationId xmlns:a16="http://schemas.microsoft.com/office/drawing/2014/main" id="{E9FBB213-E2C8-8CCA-AD06-F6E465DDE0D7}"/>
+                <a16:creationId xmlns:a16="http://schemas.microsoft.com/office/drawing/2014/main" id="{949E49D1-DFD6-094F-9F43-D3D83D3137F0}"/>
               </a:ext>
             </a:extLst>
           </p:cNvPr>
@@ -2958,7 +2958,7 @@
           <p:cNvPr id="6" name="灯片编号占位符 5">
             <a:extLst>
               <a:ext uri="{FF2B5EF4-FFF2-40B4-BE49-F238E27FC236}">
-                <a16:creationId xmlns:a16="http://schemas.microsoft.com/office/drawing/2014/main" id="{D7BCF16C-3549-9829-67BB-3DE7A6E3B909}"/>
+                <a16:creationId xmlns:a16="http://schemas.microsoft.com/office/drawing/2014/main" id="{02BDF44F-9F4F-7F48-0C89-7AB315FBEB6E}"/>
               </a:ext>
             </a:extLst>
           </p:cNvPr>
@@ -2992,7 +2992,7 @@
             </a:lvl1pPr>
           </a:lstStyle>
           <a:p>
-            <a:fld id="{4A0E5D52-AED2-4D51-9A69-D412A0297F4D}" type="slidenum">
+            <a:fld id="{27C7F9AD-620B-4C14-BE3A-BF042EF68998}" type="slidenum">
               <a:rPr lang="zh-CN" altLang="en-US" smtClean="0"/>
               <a:t>‹#›</a:t>
             </a:fld>
@@ -3003,7 +3003,7 @@
     </p:spTree>
     <p:extLst>
       <p:ext uri="{BB962C8B-B14F-4D97-AF65-F5344CB8AC3E}">
-        <p14:creationId xmlns:p14="http://schemas.microsoft.com/office/powerpoint/2010/main" val="3283695259"/>
+        <p14:creationId xmlns:p14="http://schemas.microsoft.com/office/powerpoint/2010/main" val="1595955101"/>
       </p:ext>
     </p:extLst>
   </p:cSld>
@@ -3323,7 +3323,7 @@
       </p:grpSpPr>
       <p:pic>
         <p:nvPicPr>
-          <p:cNvPr id="957442" name="Picture 2" descr="934"/>
+          <p:cNvPr id="958466" name="Picture 2" descr="935"/>
           <p:cNvPicPr>
             <a:picLocks noChangeAspect="1" noChangeArrowheads="1"/>
           </p:cNvPicPr>
@@ -3344,8 +3344,8 @@
         </p:blipFill>
         <p:spPr bwMode="auto">
           <a:xfrm>
-            <a:off x="1543050" y="14288"/>
-            <a:ext cx="9124950" cy="6843712"/>
+            <a:off x="1524000" y="0"/>
+            <a:ext cx="9144000" cy="6858000"/>
           </a:xfrm>
           <a:prstGeom prst="rect">
             <a:avLst/>
@@ -3375,158 +3375,11 @@
           </a:extLst>
         </p:spPr>
       </p:pic>
-      <p:pic>
-        <p:nvPicPr>
-          <p:cNvPr id="958467" name="Picture 3" descr="934-2"/>
-          <p:cNvPicPr>
-            <a:picLocks noChangeAspect="1" noChangeArrowheads="1"/>
-          </p:cNvPicPr>
-          <p:nvPr/>
-        </p:nvPicPr>
-        <p:blipFill>
-          <a:blip r:embed="rId3">
-            <a:extLst>
-              <a:ext uri="{28A0092B-C50C-407E-A947-70E740481C1C}">
-                <a14:useLocalDpi xmlns:a14="http://schemas.microsoft.com/office/drawing/2010/main" val="0"/>
-              </a:ext>
-            </a:extLst>
-          </a:blip>
-          <a:srcRect/>
-          <a:stretch>
-            <a:fillRect/>
-          </a:stretch>
-        </p:blipFill>
-        <p:spPr bwMode="auto">
-          <a:xfrm>
-            <a:off x="1524000" y="0"/>
-            <a:ext cx="9144000" cy="6858000"/>
-          </a:xfrm>
-          <a:prstGeom prst="rect">
-            <a:avLst/>
-          </a:prstGeom>
-          <a:noFill/>
-          <a:ln>
-            <a:noFill/>
-          </a:ln>
-          <a:effectLst/>
-          <a:extLst>
-            <a:ext uri="{909E8E84-426E-40DD-AFC4-6F175D3DCCD1}">
-              <a14:hiddenFill xmlns:a14="http://schemas.microsoft.com/office/drawing/2010/main">
-                <a:solidFill>
-                  <a:srgbClr val="FFFFFF"/>
-                </a:solidFill>
-              </a14:hiddenFill>
-            </a:ext>
-            <a:ext uri="{91240B29-F687-4F45-9708-019B960494DF}">
-              <a14:hiddenLine xmlns:a14="http://schemas.microsoft.com/office/drawing/2010/main" w="9525">
-                <a:solidFill>
-                  <a:srgbClr val="000000"/>
-                </a:solidFill>
-                <a:miter lim="800000"/>
-                <a:headEnd/>
-                <a:tailEnd/>
-              </a14:hiddenLine>
-            </a:ext>
-            <a:ext uri="{AF507438-7753-43E0-B8FC-AC1667EBCBE1}">
-              <a14:hiddenEffects xmlns:a14="http://schemas.microsoft.com/office/drawing/2010/main">
-                <a:effectLst>
-                  <a:outerShdw dist="35921" dir="2700000" algn="ctr" rotWithShape="0">
-                    <a:srgbClr val="808080"/>
-                  </a:outerShdw>
-                </a:effectLst>
-              </a14:hiddenEffects>
-            </a:ext>
-          </a:extLst>
-        </p:spPr>
-      </p:pic>
     </p:spTree>
   </p:cSld>
   <p:clrMapOvr>
     <a:masterClrMapping/>
   </p:clrMapOvr>
-  <p:timing>
-    <p:tnLst>
-      <p:par>
-        <p:cTn id="1" dur="indefinite" restart="never" nodeType="tmRoot">
-          <p:childTnLst>
-            <p:seq concurrent="1" nextAc="seek">
-              <p:cTn id="2" dur="indefinite" nodeType="mainSeq">
-                <p:childTnLst>
-                  <p:par>
-                    <p:cTn id="3" fill="hold" nodeType="clickPar">
-                      <p:stCondLst>
-                        <p:cond delay="indefinite"/>
-                      </p:stCondLst>
-                      <p:childTnLst>
-                        <p:par>
-                          <p:cTn id="4" fill="hold" nodeType="withGroup">
-                            <p:stCondLst>
-                              <p:cond delay="0"/>
-                            </p:stCondLst>
-                            <p:childTnLst>
-                              <p:par>
-                                <p:cTn id="5" presetID="10" presetClass="entr" presetSubtype="0" fill="hold" nodeType="clickEffect">
-                                  <p:stCondLst>
-                                    <p:cond delay="0"/>
-                                  </p:stCondLst>
-                                  <p:childTnLst>
-                                    <p:set>
-                                      <p:cBhvr>
-                                        <p:cTn id="6" dur="1" fill="hold">
-                                          <p:stCondLst>
-                                            <p:cond delay="0"/>
-                                          </p:stCondLst>
-                                        </p:cTn>
-                                        <p:tgtEl>
-                                          <p:spTgt spid="958467"/>
-                                        </p:tgtEl>
-                                        <p:attrNameLst>
-                                          <p:attrName>style.visibility</p:attrName>
-                                        </p:attrNameLst>
-                                      </p:cBhvr>
-                                      <p:to>
-                                        <p:strVal val="visible"/>
-                                      </p:to>
-                                    </p:set>
-                                    <p:animEffect transition="in" filter="fade">
-                                      <p:cBhvr>
-                                        <p:cTn id="7" dur="500"/>
-                                        <p:tgtEl>
-                                          <p:spTgt spid="958467"/>
-                                        </p:tgtEl>
-                                      </p:cBhvr>
-                                    </p:animEffect>
-                                  </p:childTnLst>
-                                </p:cTn>
-                              </p:par>
-                            </p:childTnLst>
-                          </p:cTn>
-                        </p:par>
-                      </p:childTnLst>
-                    </p:cTn>
-                  </p:par>
-                </p:childTnLst>
-              </p:cTn>
-              <p:prevCondLst>
-                <p:cond evt="onPrev" delay="0">
-                  <p:tgtEl>
-                    <p:sldTgt/>
-                  </p:tgtEl>
-                </p:cond>
-              </p:prevCondLst>
-              <p:nextCondLst>
-                <p:cond evt="onNext" delay="0">
-                  <p:tgtEl>
-                    <p:sldTgt/>
-                  </p:tgtEl>
-                </p:cond>
-              </p:nextCondLst>
-            </p:seq>
-          </p:childTnLst>
-        </p:cTn>
-      </p:par>
-    </p:tnLst>
-  </p:timing>
 </p:sld>
 </file>
 
